--- a/bash/slides/ppt/02 - Bash Shell.pptx
+++ b/bash/slides/ppt/02 - Bash Shell.pptx
@@ -257,7 +257,7 @@
             <a:fld id="{BAEB7694-8561-4BE2-948D-EDF7A201F8BB}" type="datetimeFigureOut">
               <a:rPr lang="it-IT" smtClean="0"/>
               <a:pPr/>
-              <a:t>20/03/20</a:t>
+              <a:t>25/03/21</a:t>
             </a:fld>
             <a:endParaRPr lang="it-IT"/>
           </a:p>
@@ -20568,7 +20568,7 @@
               <a:buNone/>
             </a:pPr>
             <a:r>
-              <a:rPr lang="it-IT" i="1" dirty="0">
+              <a:rPr lang="it-IT" sz="2200" i="1" dirty="0">
                 <a:solidFill>
                   <a:schemeClr val="accent6">
                     <a:lumMod val="75000"/>
@@ -20578,7 +20578,7 @@
               <a:t>$ </a:t>
             </a:r>
             <a:r>
-              <a:rPr lang="it-IT" i="1" dirty="0" err="1">
+              <a:rPr lang="it-IT" sz="2200" i="1" dirty="0" err="1">
                 <a:solidFill>
                   <a:schemeClr val="accent6">
                     <a:lumMod val="75000"/>
@@ -20588,17 +20588,17 @@
               <a:t>cp</a:t>
             </a:r>
             <a:r>
-              <a:rPr lang="it-IT" i="1" dirty="0">
-                <a:solidFill>
-                  <a:schemeClr val="accent6">
-                    <a:lumMod val="75000"/>
-                  </a:schemeClr>
-                </a:solidFill>
-              </a:rPr>
-              <a:t> –</a:t>
-            </a:r>
-            <a:r>
-              <a:rPr lang="it-IT" i="1" dirty="0" err="1">
+              <a:rPr lang="it-IT" sz="2200" i="1" dirty="0">
+                <a:solidFill>
+                  <a:schemeClr val="accent6">
+                    <a:lumMod val="75000"/>
+                  </a:schemeClr>
+                </a:solidFill>
+              </a:rPr>
+              <a:t> -</a:t>
+            </a:r>
+            <a:r>
+              <a:rPr lang="it-IT" sz="2200" i="1" dirty="0" err="1">
                 <a:solidFill>
                   <a:schemeClr val="accent6">
                     <a:lumMod val="75000"/>
@@ -20608,7 +20608,7 @@
               <a:t>r</a:t>
             </a:r>
             <a:r>
-              <a:rPr lang="it-IT" i="1" dirty="0">
+              <a:rPr lang="it-IT" sz="2200" i="1" dirty="0">
                 <a:solidFill>
                   <a:schemeClr val="accent6">
                     <a:lumMod val="75000"/>
@@ -20618,7 +20618,7 @@
               <a:t> $(</a:t>
             </a:r>
             <a:r>
-              <a:rPr lang="it-IT" i="1" dirty="0" err="1">
+              <a:rPr lang="it-IT" sz="2200" i="1" dirty="0" err="1">
                 <a:solidFill>
                   <a:schemeClr val="accent6">
                     <a:lumMod val="75000"/>
@@ -20628,7 +20628,7 @@
               <a:t>pwd</a:t>
             </a:r>
             <a:r>
-              <a:rPr lang="it-IT" i="1" dirty="0">
+              <a:rPr lang="it-IT" sz="2200" i="1" dirty="0">
                 <a:solidFill>
                   <a:schemeClr val="accent6">
                     <a:lumMod val="75000"/>
@@ -20638,7 +20638,7 @@
               <a:t>)/</a:t>
             </a:r>
             <a:r>
-              <a:rPr lang="it-IT" i="1" dirty="0" err="1">
+              <a:rPr lang="it-IT" sz="2200" i="1" dirty="0" err="1">
                 <a:solidFill>
                   <a:schemeClr val="accent6">
                     <a:lumMod val="75000"/>
@@ -20648,7 +20648,7 @@
               <a:t>ss</a:t>
             </a:r>
             <a:r>
-              <a:rPr lang="it-IT" i="1" dirty="0">
+              <a:rPr lang="it-IT" sz="2200" i="1" dirty="0">
                 <a:solidFill>
                   <a:schemeClr val="accent6">
                     <a:lumMod val="75000"/>
@@ -20658,7 +20658,7 @@
               <a:t>* </a:t>
             </a:r>
             <a:r>
-              <a:rPr lang="it-IT" i="1" dirty="0">
+              <a:rPr lang="it-IT" sz="2200" i="1" dirty="0">
                 <a:solidFill>
                   <a:schemeClr val="accent6">
                     <a:lumMod val="75000"/>
@@ -20670,7 +20670,7 @@
               <a:t>"</a:t>
             </a:r>
             <a:r>
-              <a:rPr lang="it-IT" i="1" dirty="0">
+              <a:rPr lang="it-IT" sz="2200" i="1" dirty="0">
                 <a:solidFill>
                   <a:schemeClr val="accent6">
                     <a:lumMod val="75000"/>
@@ -20680,7 +20680,7 @@
               <a:t>$HOME</a:t>
             </a:r>
             <a:r>
-              <a:rPr lang="it-IT" i="1" dirty="0">
+              <a:rPr lang="it-IT" sz="2200" i="1" dirty="0">
                 <a:solidFill>
                   <a:schemeClr val="accent6">
                     <a:lumMod val="75000"/>
@@ -20692,7 +20692,7 @@
               <a:t>"/</a:t>
             </a:r>
             <a:r>
-              <a:rPr lang="it-IT" i="1" dirty="0" err="1">
+              <a:rPr lang="it-IT" sz="2200" i="1" dirty="0" err="1">
                 <a:solidFill>
                   <a:schemeClr val="accent6">
                     <a:lumMod val="75000"/>
@@ -20704,19 +20704,19 @@
               <a:t>config</a:t>
             </a:r>
             <a:r>
-              <a:rPr lang="it-IT" i="1" dirty="0">
-                <a:solidFill>
-                  <a:schemeClr val="accent6">
-                    <a:lumMod val="75000"/>
-                  </a:schemeClr>
-                </a:solidFill>
-                <a:latin typeface="Consolas" panose="020B0609020204030204" pitchFamily="49" charset="0"/>
-                <a:cs typeface="Consolas" panose="020B0609020204030204" pitchFamily="49" charset="0"/>
-              </a:rPr>
-              <a:t> &gt; /</a:t>
-            </a:r>
-            <a:r>
-              <a:rPr lang="it-IT" i="1" dirty="0" err="1">
+              <a:rPr lang="it-IT" sz="2200" i="1" dirty="0">
+                <a:solidFill>
+                  <a:schemeClr val="accent6">
+                    <a:lumMod val="75000"/>
+                  </a:schemeClr>
+                </a:solidFill>
+                <a:latin typeface="Consolas" panose="020B0609020204030204" pitchFamily="49" charset="0"/>
+                <a:cs typeface="Consolas" panose="020B0609020204030204" pitchFamily="49" charset="0"/>
+              </a:rPr>
+              <a:t>/ &gt; /</a:t>
+            </a:r>
+            <a:r>
+              <a:rPr lang="it-IT" sz="2200" i="1" dirty="0" err="1">
                 <a:solidFill>
                   <a:schemeClr val="accent6">
                     <a:lumMod val="75000"/>
@@ -20728,7 +20728,7 @@
               <a:t>tmp</a:t>
             </a:r>
             <a:r>
-              <a:rPr lang="it-IT" i="1" dirty="0">
+              <a:rPr lang="it-IT" sz="2200" i="1" dirty="0">
                 <a:solidFill>
                   <a:schemeClr val="accent6">
                     <a:lumMod val="75000"/>
@@ -20740,7 +20740,7 @@
               <a:t>/</a:t>
             </a:r>
             <a:r>
-              <a:rPr lang="it-IT" i="1" dirty="0" err="1">
+              <a:rPr lang="it-IT" sz="2200" i="1" dirty="0" err="1">
                 <a:solidFill>
                   <a:schemeClr val="accent6">
                     <a:lumMod val="75000"/>
@@ -20751,7 +20751,7 @@
               </a:rPr>
               <a:t>service.log</a:t>
             </a:r>
-            <a:endParaRPr lang="it-IT" i="1" dirty="0">
+            <a:endParaRPr lang="it-IT" sz="2200" i="1" dirty="0">
               <a:solidFill>
                 <a:schemeClr val="accent6">
                   <a:lumMod val="75000"/>
@@ -20760,21 +20760,21 @@
             </a:endParaRPr>
           </a:p>
           <a:p>
-            <a:endParaRPr lang="it-IT" dirty="0"/>
-          </a:p>
-          <a:p>
-            <a:r>
-              <a:rPr lang="it-IT" dirty="0" err="1"/>
+            <a:endParaRPr lang="it-IT" sz="2200" dirty="0"/>
+          </a:p>
+          <a:p>
+            <a:r>
+              <a:rPr lang="it-IT" sz="2200" dirty="0" err="1"/>
               <a:t>Ridirezione</a:t>
             </a:r>
             <a:r>
-              <a:rPr lang="it-IT" dirty="0"/>
+              <a:rPr lang="it-IT" sz="2200" dirty="0"/>
               <a:t> dell’input/output</a:t>
             </a:r>
           </a:p>
           <a:p>
             <a:r>
-              <a:rPr lang="it-IT" dirty="0"/>
+              <a:rPr lang="it-IT" sz="2200" dirty="0"/>
               <a:t>Esecuzione e sostituzione dei comandi $() </a:t>
             </a:r>
           </a:p>
@@ -20783,36 +20783,36 @@
               <a:buNone/>
             </a:pPr>
             <a:r>
-              <a:rPr lang="it-IT" dirty="0"/>
+              <a:rPr lang="it-IT" sz="2200" dirty="0"/>
               <a:t>$(</a:t>
             </a:r>
             <a:r>
-              <a:rPr lang="it-IT" dirty="0" err="1"/>
+              <a:rPr lang="it-IT" sz="2200" dirty="0" err="1"/>
               <a:t>pwd</a:t>
             </a:r>
             <a:r>
-              <a:rPr lang="it-IT" dirty="0"/>
+              <a:rPr lang="it-IT" sz="2200" dirty="0"/>
               <a:t>) </a:t>
             </a:r>
             <a:r>
-              <a:rPr lang="it-IT" dirty="0">
+              <a:rPr lang="it-IT" sz="2200" dirty="0">
                 <a:sym typeface="Wingdings" pitchFamily="2" charset="2"/>
               </a:rPr>
               <a:t></a:t>
             </a:r>
             <a:r>
-              <a:rPr lang="it-IT" dirty="0"/>
+              <a:rPr lang="it-IT" sz="2200" dirty="0"/>
               <a:t> /</a:t>
             </a:r>
             <a:r>
-              <a:rPr lang="it-IT" dirty="0" err="1"/>
+              <a:rPr lang="it-IT" sz="2200" dirty="0" err="1"/>
               <a:t>etc</a:t>
             </a:r>
-            <a:endParaRPr lang="it-IT" dirty="0"/>
-          </a:p>
-          <a:p>
-            <a:r>
-              <a:rPr lang="it-IT" dirty="0"/>
+            <a:endParaRPr lang="it-IT" sz="2200" dirty="0"/>
+          </a:p>
+          <a:p>
+            <a:r>
+              <a:rPr lang="it-IT" sz="2200" dirty="0"/>
               <a:t>Sostituzione di variabili e parametri </a:t>
             </a:r>
           </a:p>
@@ -20821,28 +20821,28 @@
               <a:buNone/>
             </a:pPr>
             <a:r>
-              <a:rPr lang="it-IT" dirty="0"/>
+              <a:rPr lang="it-IT" sz="2200" dirty="0"/>
               <a:t>$HOME </a:t>
             </a:r>
             <a:r>
-              <a:rPr lang="it-IT" dirty="0">
+              <a:rPr lang="it-IT" sz="2200" dirty="0">
                 <a:sym typeface="Wingdings" pitchFamily="2" charset="2"/>
               </a:rPr>
               <a:t> </a:t>
             </a:r>
             <a:r>
-              <a:rPr lang="it-IT" dirty="0"/>
+              <a:rPr lang="it-IT" sz="2200" dirty="0"/>
               <a:t>/home/</a:t>
             </a:r>
             <a:r>
-              <a:rPr lang="it-IT" dirty="0" err="1"/>
+              <a:rPr lang="it-IT" sz="2200" dirty="0" err="1"/>
               <a:t>nicola</a:t>
             </a:r>
-            <a:endParaRPr lang="it-IT" dirty="0"/>
-          </a:p>
-          <a:p>
-            <a:r>
-              <a:rPr lang="it-IT" dirty="0"/>
+            <a:endParaRPr lang="it-IT" sz="2200" dirty="0"/>
+          </a:p>
+          <a:p>
+            <a:r>
+              <a:rPr lang="it-IT" sz="2200" dirty="0"/>
               <a:t>Sostituzione di metacaratteri</a:t>
             </a:r>
           </a:p>
@@ -20851,41 +20851,41 @@
               <a:buNone/>
             </a:pPr>
             <a:r>
-              <a:rPr lang="it-IT" dirty="0" err="1"/>
+              <a:rPr lang="it-IT" sz="2200" dirty="0" err="1"/>
               <a:t>ss</a:t>
             </a:r>
             <a:r>
-              <a:rPr lang="it-IT" dirty="0"/>
+              <a:rPr lang="it-IT" sz="2200" dirty="0"/>
               <a:t>* </a:t>
             </a:r>
             <a:r>
-              <a:rPr lang="it-IT" dirty="0">
+              <a:rPr lang="it-IT" sz="2200" dirty="0">
                 <a:sym typeface="Wingdings" pitchFamily="2" charset="2"/>
               </a:rPr>
               <a:t> /</a:t>
             </a:r>
             <a:r>
-              <a:rPr lang="it-IT" dirty="0" err="1">
+              <a:rPr lang="it-IT" sz="2200" dirty="0" err="1">
                 <a:sym typeface="Wingdings" pitchFamily="2" charset="2"/>
               </a:rPr>
               <a:t>ssh</a:t>
             </a:r>
             <a:r>
-              <a:rPr lang="it-IT" dirty="0">
+              <a:rPr lang="it-IT" sz="2200" dirty="0">
                 <a:sym typeface="Wingdings" pitchFamily="2" charset="2"/>
               </a:rPr>
               <a:t>/</a:t>
             </a:r>
             <a:r>
-              <a:rPr lang="it-IT" dirty="0"/>
-              <a:t> </a:t>
-            </a:r>
-          </a:p>
-          <a:p>
-            <a:endParaRPr lang="it-IT" dirty="0"/>
-          </a:p>
-          <a:p>
-            <a:endParaRPr lang="en-GB" dirty="0"/>
+              <a:rPr lang="it-IT" sz="2200" dirty="0"/>
+              <a:t> </a:t>
+            </a:r>
+          </a:p>
+          <a:p>
+            <a:endParaRPr lang="it-IT" sz="2200" dirty="0"/>
+          </a:p>
+          <a:p>
+            <a:endParaRPr lang="en-GB" sz="2200" dirty="0"/>
           </a:p>
         </p:txBody>
       </p:sp>
